--- a/Black_Friday_Sales.pptx
+++ b/Black_Friday_Sales.pptx
@@ -221,7 +221,7 @@
           <a:p>
             <a:fld id="{915FA65A-DD0E-4E05-ADF2-C54ED8C9D891}" type="datetimeFigureOut">
               <a:rPr lang="en-US" smtClean="0"/>
-              <a:t>6/24/2020</a:t>
+              <a:t>6/30/2020</a:t>
             </a:fld>
             <a:endParaRPr lang="en-US"/>
           </a:p>
@@ -635,7 +635,7 @@
           <a:p>
             <a:fld id="{9184DA70-C731-4C70-880D-CCD4705E623C}" type="datetime1">
               <a:rPr lang="en-US" smtClean="0"/>
-              <a:t>6/24/2020</a:t>
+              <a:t>6/30/2020</a:t>
             </a:fld>
             <a:endParaRPr lang="en-US" dirty="0"/>
           </a:p>
@@ -833,7 +833,7 @@
           <a:p>
             <a:fld id="{B612A279-0833-481D-8C56-F67FD0AC6C50}" type="datetime1">
               <a:rPr lang="en-US" smtClean="0"/>
-              <a:t>6/24/2020</a:t>
+              <a:t>6/30/2020</a:t>
             </a:fld>
             <a:endParaRPr lang="en-US" dirty="0"/>
           </a:p>
@@ -1041,7 +1041,7 @@
           <a:p>
             <a:fld id="{6587DA83-5663-4C9C-B9AA-0B40A3DAFF81}" type="datetime1">
               <a:rPr lang="en-US" smtClean="0"/>
-              <a:t>6/24/2020</a:t>
+              <a:t>6/30/2020</a:t>
             </a:fld>
             <a:endParaRPr lang="en-US" dirty="0"/>
           </a:p>
@@ -1239,7 +1239,7 @@
           <a:p>
             <a:fld id="{4BE1D723-8F53-4F53-90B0-1982A396982E}" type="datetime1">
               <a:rPr lang="en-US" smtClean="0"/>
-              <a:t>6/24/2020</a:t>
+              <a:t>6/30/2020</a:t>
             </a:fld>
             <a:endParaRPr lang="en-US" dirty="0"/>
           </a:p>
@@ -1514,7 +1514,7 @@
           <a:p>
             <a:fld id="{97669AF7-7BEB-44E4-9852-375E34362B5B}" type="datetime1">
               <a:rPr lang="en-US" smtClean="0"/>
-              <a:t>6/24/2020</a:t>
+              <a:t>6/30/2020</a:t>
             </a:fld>
             <a:endParaRPr lang="en-US" dirty="0"/>
           </a:p>
@@ -1779,7 +1779,7 @@
           <a:p>
             <a:fld id="{BAAAC38D-0552-4C82-B593-E6124DFADBE2}" type="datetime1">
               <a:rPr lang="en-US" smtClean="0"/>
-              <a:t>6/24/2020</a:t>
+              <a:t>6/30/2020</a:t>
             </a:fld>
             <a:endParaRPr lang="en-US" dirty="0"/>
           </a:p>
@@ -2191,7 +2191,7 @@
           <a:p>
             <a:fld id="{D9DF0F1C-5577-4ACB-BB62-DF8F3C494C7E}" type="datetime1">
               <a:rPr lang="en-US" smtClean="0"/>
-              <a:t>6/24/2020</a:t>
+              <a:t>6/30/2020</a:t>
             </a:fld>
             <a:endParaRPr lang="en-US" dirty="0"/>
           </a:p>
@@ -2332,7 +2332,7 @@
           <a:p>
             <a:fld id="{1775B394-D9F9-4F0C-B15D-605F45CB9E9F}" type="datetime1">
               <a:rPr lang="en-US" smtClean="0"/>
-              <a:t>6/24/2020</a:t>
+              <a:t>6/30/2020</a:t>
             </a:fld>
             <a:endParaRPr lang="en-US" dirty="0"/>
           </a:p>
@@ -2445,7 +2445,7 @@
           <a:p>
             <a:fld id="{39667345-2558-425A-8533-9BFDBCE15005}" type="datetime1">
               <a:rPr lang="en-US" smtClean="0"/>
-              <a:t>6/24/2020</a:t>
+              <a:t>6/30/2020</a:t>
             </a:fld>
             <a:endParaRPr lang="en-US" dirty="0"/>
           </a:p>
@@ -2756,7 +2756,7 @@
           <a:p>
             <a:fld id="{92BEA474-078D-4E9B-9B14-09A87B19DC46}" type="datetime1">
               <a:rPr lang="en-US" smtClean="0"/>
-              <a:t>6/24/2020</a:t>
+              <a:t>6/30/2020</a:t>
             </a:fld>
             <a:endParaRPr lang="en-US" dirty="0"/>
           </a:p>
@@ -3045,7 +3045,7 @@
           <a:p>
             <a:fld id="{4907D986-8816-4272-A432-0437A28A9828}" type="datetime1">
               <a:rPr lang="en-US" smtClean="0"/>
-              <a:t>6/24/2020</a:t>
+              <a:t>6/30/2020</a:t>
             </a:fld>
             <a:endParaRPr lang="en-US" dirty="0"/>
           </a:p>
@@ -3287,7 +3287,7 @@
           <a:p>
             <a:fld id="{62D6E202-B606-4609-B914-27C9371A1F6D}" type="datetime1">
               <a:rPr lang="en-US" smtClean="0"/>
-              <a:t>6/24/2020</a:t>
+              <a:t>6/30/2020</a:t>
             </a:fld>
             <a:endParaRPr lang="en-US" dirty="0"/>
           </a:p>
@@ -3737,7 +3737,7 @@
         </p:spPr>
         <p:txBody>
           <a:bodyPr>
-            <a:normAutofit fontScale="90000"/>
+            <a:normAutofit/>
           </a:bodyPr>
           <a:lstStyle/>
           <a:p>
@@ -3890,93 +3890,6 @@
                 <a:cs typeface="Times New Roman" panose="02020603050405020304" pitchFamily="18" charset="0"/>
               </a:rPr>
             </a:br>
-            <a:r>
-              <a:rPr lang="en-US" sz="2400" b="1" i="0" u="none" strike="noStrike" dirty="0">
-                <a:solidFill>
-                  <a:srgbClr val="000000"/>
-                </a:solidFill>
-                <a:effectLst/>
-                <a:latin typeface="Times New Roman" panose="02020603050405020304" pitchFamily="18" charset="0"/>
-                <a:cs typeface="Times New Roman" panose="02020603050405020304" pitchFamily="18" charset="0"/>
-              </a:rPr>
-              <a:t>ALY 6015  Intermediate Analytics</a:t>
-            </a:r>
-            <a:br>
-              <a:rPr lang="en-US" sz="2400" b="1" i="0" u="none" strike="noStrike" dirty="0">
-                <a:solidFill>
-                  <a:srgbClr val="000000"/>
-                </a:solidFill>
-                <a:latin typeface="Times New Roman" panose="02020603050405020304" pitchFamily="18" charset="0"/>
-                <a:cs typeface="Times New Roman" panose="02020603050405020304" pitchFamily="18" charset="0"/>
-              </a:rPr>
-            </a:br>
-            <a:br>
-              <a:rPr lang="en-US" sz="2400" b="1" i="0" u="none" strike="noStrike" dirty="0">
-                <a:solidFill>
-                  <a:srgbClr val="000000"/>
-                </a:solidFill>
-                <a:latin typeface="Times New Roman" panose="02020603050405020304" pitchFamily="18" charset="0"/>
-                <a:cs typeface="Times New Roman" panose="02020603050405020304" pitchFamily="18" charset="0"/>
-              </a:rPr>
-            </a:br>
-            <a:r>
-              <a:rPr lang="en-US" sz="2400" b="1" i="0" u="none" strike="noStrike" dirty="0">
-                <a:solidFill>
-                  <a:srgbClr val="000000"/>
-                </a:solidFill>
-                <a:latin typeface="Times New Roman" panose="02020603050405020304" pitchFamily="18" charset="0"/>
-                <a:cs typeface="Times New Roman" panose="02020603050405020304" pitchFamily="18" charset="0"/>
-              </a:rPr>
-              <a:t>Professor: Dr. Roy Wada</a:t>
-            </a:r>
-            <a:br>
-              <a:rPr lang="en-US" sz="2400" b="1" i="0" u="none" strike="noStrike" dirty="0">
-                <a:solidFill>
-                  <a:srgbClr val="000000"/>
-                </a:solidFill>
-                <a:latin typeface="Times New Roman" panose="02020603050405020304" pitchFamily="18" charset="0"/>
-                <a:cs typeface="Times New Roman" panose="02020603050405020304" pitchFamily="18" charset="0"/>
-              </a:rPr>
-            </a:br>
-            <a:br>
-              <a:rPr lang="en-US" sz="2400" b="1" i="0" u="none" strike="noStrike" dirty="0">
-                <a:solidFill>
-                  <a:srgbClr val="000000"/>
-                </a:solidFill>
-                <a:latin typeface="Times New Roman" panose="02020603050405020304" pitchFamily="18" charset="0"/>
-                <a:cs typeface="Times New Roman" panose="02020603050405020304" pitchFamily="18" charset="0"/>
-              </a:rPr>
-            </a:br>
-            <a:r>
-              <a:rPr lang="en-US" sz="2400" b="1" i="0" u="none" strike="noStrike" dirty="0">
-                <a:solidFill>
-                  <a:srgbClr val="000000"/>
-                </a:solidFill>
-                <a:latin typeface="Times New Roman" panose="02020603050405020304" pitchFamily="18" charset="0"/>
-                <a:cs typeface="Times New Roman" panose="02020603050405020304" pitchFamily="18" charset="0"/>
-              </a:rPr>
-              <a:t>Jun 24</a:t>
-            </a:r>
-            <a:r>
-              <a:rPr lang="en-US" sz="2400" b="1" i="0" u="none" strike="noStrike" baseline="30000" dirty="0">
-                <a:solidFill>
-                  <a:srgbClr val="000000"/>
-                </a:solidFill>
-                <a:latin typeface="Times New Roman" panose="02020603050405020304" pitchFamily="18" charset="0"/>
-                <a:cs typeface="Times New Roman" panose="02020603050405020304" pitchFamily="18" charset="0"/>
-              </a:rPr>
-              <a:t>th</a:t>
-            </a:r>
-            <a:r>
-              <a:rPr lang="en-US" sz="2400" b="1" i="0" u="none" strike="noStrike" dirty="0">
-                <a:solidFill>
-                  <a:srgbClr val="000000"/>
-                </a:solidFill>
-                <a:latin typeface="Times New Roman" panose="02020603050405020304" pitchFamily="18" charset="0"/>
-                <a:cs typeface="Times New Roman" panose="02020603050405020304" pitchFamily="18" charset="0"/>
-              </a:rPr>
-              <a:t> 2020 </a:t>
-            </a:r>
             <a:br>
               <a:rPr lang="en-US" sz="1600" i="0" u="none" strike="noStrike" dirty="0">
                 <a:solidFill>
@@ -4033,7 +3946,7 @@
         </p:spPr>
         <p:txBody>
           <a:bodyPr>
-            <a:normAutofit fontScale="92500"/>
+            <a:normAutofit lnSpcReduction="10000"/>
           </a:bodyPr>
           <a:lstStyle/>
           <a:p>
@@ -4045,7 +3958,7 @@
                 <a:latin typeface="Times New Roman" panose="02020603050405020304" pitchFamily="18" charset="0"/>
                 <a:cs typeface="Times New Roman" panose="02020603050405020304" pitchFamily="18" charset="0"/>
               </a:rPr>
-              <a:t>Group A – 										Parveen A</a:t>
+              <a:t>										Parveen A</a:t>
             </a:r>
             <a:br>
               <a:rPr lang="en-US" sz="2400" b="1" u="none" strike="noStrike" dirty="0">
@@ -4064,27 +3977,17 @@
                 <a:latin typeface="Times New Roman" panose="02020603050405020304" pitchFamily="18" charset="0"/>
                 <a:cs typeface="Times New Roman" panose="02020603050405020304" pitchFamily="18" charset="0"/>
               </a:rPr>
-              <a:t>					</a:t>
-            </a:r>
-            <a:r>
-              <a:rPr lang="en-US" sz="2400" b="1" u="none" strike="noStrike" dirty="0" err="1">
+              <a:t>				</a:t>
+            </a:r>
+            <a:r>
+              <a:rPr lang="en-US" sz="2400" b="1" u="none" strike="noStrike">
                 <a:solidFill>
                   <a:srgbClr val="000000"/>
                 </a:solidFill>
                 <a:latin typeface="Times New Roman" panose="02020603050405020304" pitchFamily="18" charset="0"/>
                 <a:cs typeface="Times New Roman" panose="02020603050405020304" pitchFamily="18" charset="0"/>
               </a:rPr>
-              <a:t>Tuhena</a:t>
-            </a:r>
-            <a:r>
-              <a:rPr lang="en-US" sz="2400" b="1" u="none" strike="noStrike" dirty="0">
-                <a:solidFill>
-                  <a:srgbClr val="000000"/>
-                </a:solidFill>
-                <a:latin typeface="Times New Roman" panose="02020603050405020304" pitchFamily="18" charset="0"/>
-                <a:cs typeface="Times New Roman" panose="02020603050405020304" pitchFamily="18" charset="0"/>
-              </a:rPr>
-              <a:t> Sen</a:t>
+              <a:t>	</a:t>
             </a:r>
             <a:endParaRPr lang="en-US" sz="2400" b="1" dirty="0">
               <a:solidFill>

--- a/Black_Friday_Sales.pptx
+++ b/Black_Friday_Sales.pptx
@@ -3958,7 +3958,27 @@
                 <a:latin typeface="Times New Roman" panose="02020603050405020304" pitchFamily="18" charset="0"/>
                 <a:cs typeface="Times New Roman" panose="02020603050405020304" pitchFamily="18" charset="0"/>
               </a:rPr>
-              <a:t>										Parveen A</a:t>
+              <a:t>									</a:t>
+            </a:r>
+            <a:r>
+              <a:rPr lang="en-US" sz="2400" b="1" u="none" strike="noStrike">
+                <a:solidFill>
+                  <a:srgbClr val="000000"/>
+                </a:solidFill>
+                <a:latin typeface="Times New Roman" panose="02020603050405020304" pitchFamily="18" charset="0"/>
+                <a:cs typeface="Times New Roman" panose="02020603050405020304" pitchFamily="18" charset="0"/>
+              </a:rPr>
+              <a:t>	-Parveen </a:t>
+            </a:r>
+            <a:r>
+              <a:rPr lang="en-US" sz="2400" b="1" u="none" strike="noStrike" dirty="0">
+                <a:solidFill>
+                  <a:srgbClr val="000000"/>
+                </a:solidFill>
+                <a:latin typeface="Times New Roman" panose="02020603050405020304" pitchFamily="18" charset="0"/>
+                <a:cs typeface="Times New Roman" panose="02020603050405020304" pitchFamily="18" charset="0"/>
+              </a:rPr>
+              <a:t>A</a:t>
             </a:r>
             <a:br>
               <a:rPr lang="en-US" sz="2400" b="1" u="none" strike="noStrike" dirty="0">
